--- a/lib/Rapid7&Nessus漏洞扫描.pptx
+++ b/lib/Rapid7&Nessus漏洞扫描.pptx
@@ -17100,6 +17100,39 @@
           <a:chExt cx="0" cy="0"/>
         </a:xfrm>
       </p:grpSpPr>
+      <p:pic>
+        <p:nvPicPr>
+          <p:cNvPr id="1026" name="Picture 2"/>
+          <p:cNvPicPr>
+            <a:picLocks noChangeAspect="1" noChangeArrowheads="1"/>
+          </p:cNvPicPr>
+          <p:nvPr/>
+        </p:nvPicPr>
+        <p:blipFill>
+          <a:blip r:embed="rId3"/>
+          <a:srcRect/>
+          <a:stretch>
+            <a:fillRect/>
+          </a:stretch>
+        </p:blipFill>
+        <p:spPr bwMode="auto">
+          <a:xfrm>
+            <a:off x="285720" y="2786058"/>
+            <a:ext cx="5133975" cy="1276350"/>
+          </a:xfrm>
+          <a:prstGeom prst="rect">
+            <a:avLst/>
+          </a:prstGeom>
+          <a:noFill/>
+          <a:ln w="9525">
+            <a:noFill/>
+            <a:miter lim="800000"/>
+            <a:headEnd/>
+            <a:tailEnd/>
+          </a:ln>
+          <a:effectLst/>
+        </p:spPr>
+      </p:pic>
       <p:sp>
         <p:nvSpPr>
           <p:cNvPr id="10" name="内容占位符 2"/>
@@ -17450,7 +17483,7 @@
           <p:nvPr/>
         </p:nvPicPr>
         <p:blipFill>
-          <a:blip r:embed="rId3"/>
+          <a:blip r:embed="rId4"/>
           <a:srcRect/>
           <a:stretch>
             <a:fillRect/>
@@ -17458,7 +17491,7 @@
         </p:blipFill>
         <p:spPr bwMode="auto">
           <a:xfrm>
-            <a:off x="142844" y="3357562"/>
+            <a:off x="0" y="4143380"/>
             <a:ext cx="8658225" cy="2228850"/>
           </a:xfrm>
           <a:prstGeom prst="rect">
@@ -19115,11 +19148,7 @@
             </a:r>
             <a:r>
               <a:rPr lang="zh-CN" altLang="en-US" sz="2400" b="1" dirty="0" smtClean="0"/>
-              <a:t>漏洞</a:t>
-            </a:r>
-            <a:r>
-              <a:rPr lang="zh-CN" altLang="en-US" sz="2400" b="1" dirty="0" smtClean="0"/>
-              <a:t>扫描原理</a:t>
+              <a:t>漏洞扫描原理</a:t>
             </a:r>
             <a:endParaRPr lang="es-ES" altLang="zh-CN" sz="2400" b="1" dirty="0"/>
           </a:p>
@@ -19728,14 +19757,7 @@
                 <a:latin typeface="仿宋" pitchFamily="49" charset="-122"/>
                 <a:ea typeface="仿宋" pitchFamily="49" charset="-122"/>
               </a:rPr>
-              <a:t> </a:t>
-            </a:r>
-            <a:r>
-              <a:rPr lang="en-US" altLang="zh-CN" sz="1600" dirty="0" smtClean="0">
-                <a:latin typeface="仿宋" pitchFamily="49" charset="-122"/>
-                <a:ea typeface="仿宋" pitchFamily="49" charset="-122"/>
-              </a:rPr>
-              <a:t>audit(Rapid 7)</a:t>
+              <a:t> audit(Rapid 7)</a:t>
             </a:r>
             <a:r>
               <a:rPr lang="zh-CN" altLang="en-US" sz="1600" dirty="0" smtClean="0">
@@ -19986,20 +20008,7 @@
                 <a:latin typeface="微软雅黑" pitchFamily="34" charset="-122"/>
                 <a:ea typeface="微软雅黑" pitchFamily="34" charset="-122"/>
               </a:rPr>
-              <a:t>扫描</a:t>
-            </a:r>
-            <a:r>
-              <a:rPr lang="zh-CN" altLang="en-US" sz="3200" b="1" kern="0" dirty="0" smtClean="0">
-                <a:solidFill>
-                  <a:schemeClr val="tx1">
-                    <a:lumMod val="75000"/>
-                    <a:lumOff val="25000"/>
-                  </a:schemeClr>
-                </a:solidFill>
-                <a:latin typeface="微软雅黑" pitchFamily="34" charset="-122"/>
-                <a:ea typeface="微软雅黑" pitchFamily="34" charset="-122"/>
-              </a:rPr>
-              <a:t>配置指南</a:t>
+              <a:t>扫描配置指南</a:t>
             </a:r>
             <a:endParaRPr lang="zh-CN" altLang="en-US" sz="3200" b="1" kern="0" dirty="0" smtClean="0">
               <a:solidFill>
@@ -21135,11 +21144,7 @@
             </a:r>
             <a:r>
               <a:rPr lang="zh-CN" altLang="en-US" sz="2400" b="1" dirty="0" smtClean="0"/>
-              <a:t>漏洞</a:t>
-            </a:r>
-            <a:r>
-              <a:rPr lang="zh-CN" altLang="en-US" sz="2400" b="1" dirty="0" smtClean="0"/>
-              <a:t>扫描原理</a:t>
+              <a:t>漏洞扫描原理</a:t>
             </a:r>
             <a:endParaRPr lang="es-ES" altLang="zh-CN" sz="2400" b="1" dirty="0"/>
           </a:p>
@@ -21850,15 +21855,7 @@
                   <a:srgbClr val="404040"/>
                 </a:solidFill>
               </a:rPr>
-              <a:t>漏洞</a:t>
-            </a:r>
-            <a:r>
-              <a:rPr lang="zh-CN" altLang="en-US" sz="2400" b="1" dirty="0" smtClean="0">
-                <a:solidFill>
-                  <a:srgbClr val="404040"/>
-                </a:solidFill>
-              </a:rPr>
-              <a:t>扫描原理</a:t>
+              <a:t>漏洞扫描原理</a:t>
             </a:r>
             <a:endParaRPr lang="es-ES" altLang="zh-CN" sz="2400" b="1" dirty="0">
               <a:solidFill>
@@ -23691,27 +23688,7 @@
                 <a:ea typeface="微软雅黑" pitchFamily="34" charset="-122"/>
                 <a:cs typeface="+mn-cs"/>
               </a:rPr>
-              <a:t>特色功能</a:t>
-            </a:r>
-            <a:r>
-              <a:rPr kumimoji="0" lang="zh-CN" altLang="en-US" sz="1400" b="0" i="0" u="none" strike="noStrike" kern="1200" cap="none" spc="0" normalizeH="0" baseline="0" noProof="0" dirty="0" smtClean="0">
-                <a:ln>
-                  <a:noFill/>
-                </a:ln>
-                <a:solidFill>
-                  <a:schemeClr val="tx1">
-                    <a:lumMod val="75000"/>
-                    <a:lumOff val="25000"/>
-                  </a:schemeClr>
-                </a:solidFill>
-                <a:effectLst/>
-                <a:uLnTx/>
-                <a:uFillTx/>
-                <a:latin typeface="微软雅黑" pitchFamily="34" charset="-122"/>
-                <a:ea typeface="微软雅黑" pitchFamily="34" charset="-122"/>
-                <a:cs typeface="+mn-cs"/>
-              </a:rPr>
-              <a:t>：</a:t>
+              <a:t>特色功能：</a:t>
             </a:r>
             <a:endParaRPr kumimoji="0" lang="en-US" altLang="zh-CN" sz="1400" b="0" i="0" u="none" strike="noStrike" kern="1200" cap="none" spc="0" normalizeH="0" baseline="0" noProof="0" dirty="0" smtClean="0">
               <a:ln>
@@ -23797,27 +23774,7 @@
                 <a:ea typeface="微软雅黑" pitchFamily="34" charset="-122"/>
                 <a:cs typeface="+mn-cs"/>
               </a:rPr>
-              <a:t>探测</a:t>
-            </a:r>
-            <a:r>
-              <a:rPr kumimoji="0" lang="zh-CN" altLang="en-US" sz="1400" b="0" i="0" u="none" strike="noStrike" kern="1200" cap="none" spc="0" normalizeH="0" baseline="0" noProof="0" dirty="0" smtClean="0">
-                <a:ln>
-                  <a:noFill/>
-                </a:ln>
-                <a:solidFill>
-                  <a:schemeClr val="tx1">
-                    <a:lumMod val="75000"/>
-                    <a:lumOff val="25000"/>
-                  </a:schemeClr>
-                </a:solidFill>
-                <a:effectLst/>
-                <a:uLnTx/>
-                <a:uFillTx/>
-                <a:latin typeface="微软雅黑" pitchFamily="34" charset="-122"/>
-                <a:ea typeface="微软雅黑" pitchFamily="34" charset="-122"/>
-                <a:cs typeface="+mn-cs"/>
-              </a:rPr>
-              <a:t>：远程主机发现、端口扫描、服务探测、操作系统探测、数据库探测</a:t>
+              <a:t>探测：远程主机发现、端口扫描、服务探测、操作系统探测、数据库探测</a:t>
             </a:r>
             <a:endParaRPr lang="en-US" altLang="zh-CN" sz="1400" dirty="0" smtClean="0">
               <a:solidFill>
@@ -23983,6 +23940,19 @@
               <a:defRPr/>
             </a:pPr>
             <a:r>
+              <a:rPr lang="zh-CN" altLang="en-US" sz="1400" dirty="0" smtClean="0">
+                <a:solidFill>
+                  <a:schemeClr val="tx1">
+                    <a:lumMod val="75000"/>
+                    <a:lumOff val="25000"/>
+                  </a:schemeClr>
+                </a:solidFill>
+                <a:latin typeface="微软雅黑" pitchFamily="34" charset="-122"/>
+                <a:ea typeface="微软雅黑" pitchFamily="34" charset="-122"/>
+              </a:rPr>
+              <a:t>自定义扫描插件</a:t>
+            </a:r>
+            <a:r>
               <a:rPr kumimoji="0" lang="zh-CN" altLang="en-US" sz="1400" b="0" i="0" u="none" strike="noStrike" kern="1200" cap="none" spc="0" normalizeH="0" baseline="0" noProof="0" dirty="0" smtClean="0">
                 <a:ln>
                   <a:noFill/>
@@ -24000,7 +23970,27 @@
                 <a:ea typeface="微软雅黑" pitchFamily="34" charset="-122"/>
                 <a:cs typeface="+mn-cs"/>
               </a:rPr>
-              <a:t>自行灵活化定义插件，可针对某几项特殊漏洞进行单独配置扫描，节省扫描时间</a:t>
+              <a:t>，</a:t>
+            </a:r>
+            <a:r>
+              <a:rPr kumimoji="0" lang="zh-CN" altLang="en-US" sz="1400" b="0" i="0" u="none" strike="noStrike" kern="1200" cap="none" spc="0" normalizeH="0" baseline="0" noProof="0" dirty="0" smtClean="0">
+                <a:ln>
+                  <a:noFill/>
+                </a:ln>
+                <a:solidFill>
+                  <a:schemeClr val="tx1">
+                    <a:lumMod val="75000"/>
+                    <a:lumOff val="25000"/>
+                  </a:schemeClr>
+                </a:solidFill>
+                <a:effectLst/>
+                <a:uLnTx/>
+                <a:uFillTx/>
+                <a:latin typeface="微软雅黑" pitchFamily="34" charset="-122"/>
+                <a:ea typeface="微软雅黑" pitchFamily="34" charset="-122"/>
+                <a:cs typeface="+mn-cs"/>
+              </a:rPr>
+              <a:t>可针对某几项特殊漏洞进行单独配置扫描，节省扫描时间</a:t>
             </a:r>
             <a:endParaRPr kumimoji="0" lang="en-US" altLang="zh-CN" sz="1400" b="0" i="0" u="none" strike="noStrike" kern="1200" cap="none" spc="0" normalizeH="0" baseline="0" noProof="0" dirty="0" smtClean="0">
               <a:ln>
@@ -24050,7 +24040,80 @@
                 <a:ea typeface="微软雅黑" pitchFamily="34" charset="-122"/>
                 <a:cs typeface="+mn-cs"/>
               </a:rPr>
-              <a:t>可支持用户自定义开发插件脚本，服务端进行调用扫描</a:t>
+              <a:t>支持用户使用</a:t>
+            </a:r>
+            <a:r>
+              <a:rPr kumimoji="0" lang="en-US" altLang="zh-CN" sz="1400" b="0" i="0" u="none" strike="noStrike" kern="1200" cap="none" spc="0" normalizeH="0" baseline="0" noProof="0" dirty="0" smtClean="0">
+                <a:ln>
+                  <a:noFill/>
+                </a:ln>
+                <a:solidFill>
+                  <a:schemeClr val="tx1">
+                    <a:lumMod val="75000"/>
+                    <a:lumOff val="25000"/>
+                  </a:schemeClr>
+                </a:solidFill>
+                <a:effectLst/>
+                <a:uLnTx/>
+                <a:uFillTx/>
+                <a:latin typeface="微软雅黑" pitchFamily="34" charset="-122"/>
+                <a:ea typeface="微软雅黑" pitchFamily="34" charset="-122"/>
+                <a:cs typeface="+mn-cs"/>
+              </a:rPr>
+              <a:t>NASL</a:t>
+            </a:r>
+            <a:r>
+              <a:rPr lang="zh-CN" altLang="en-US" sz="1400" dirty="0" smtClean="0">
+                <a:solidFill>
+                  <a:schemeClr val="tx1">
+                    <a:lumMod val="75000"/>
+                    <a:lumOff val="25000"/>
+                  </a:schemeClr>
+                </a:solidFill>
+                <a:latin typeface="微软雅黑" pitchFamily="34" charset="-122"/>
+                <a:ea typeface="微软雅黑" pitchFamily="34" charset="-122"/>
+              </a:rPr>
+              <a:t>语言</a:t>
+            </a:r>
+            <a:r>
+              <a:rPr kumimoji="0" lang="zh-CN" altLang="en-US" sz="1400" b="0" i="0" u="none" strike="noStrike" kern="1200" cap="none" spc="0" normalizeH="0" baseline="0" noProof="0" dirty="0" smtClean="0">
+                <a:ln>
+                  <a:noFill/>
+                </a:ln>
+                <a:solidFill>
+                  <a:schemeClr val="tx1">
+                    <a:lumMod val="75000"/>
+                    <a:lumOff val="25000"/>
+                  </a:schemeClr>
+                </a:solidFill>
+                <a:effectLst/>
+                <a:uLnTx/>
+                <a:uFillTx/>
+                <a:latin typeface="微软雅黑" pitchFamily="34" charset="-122"/>
+                <a:ea typeface="微软雅黑" pitchFamily="34" charset="-122"/>
+                <a:cs typeface="+mn-cs"/>
+              </a:rPr>
+              <a:t>开发自定义插件</a:t>
+            </a:r>
+            <a:r>
+              <a:rPr kumimoji="0" lang="zh-CN" altLang="en-US" sz="1400" b="0" i="0" u="none" strike="noStrike" kern="1200" cap="none" spc="0" normalizeH="0" baseline="0" noProof="0" dirty="0" smtClean="0">
+                <a:ln>
+                  <a:noFill/>
+                </a:ln>
+                <a:solidFill>
+                  <a:schemeClr val="tx1">
+                    <a:lumMod val="75000"/>
+                    <a:lumOff val="25000"/>
+                  </a:schemeClr>
+                </a:solidFill>
+                <a:effectLst/>
+                <a:uLnTx/>
+                <a:uFillTx/>
+                <a:latin typeface="微软雅黑" pitchFamily="34" charset="-122"/>
+                <a:ea typeface="微软雅黑" pitchFamily="34" charset="-122"/>
+                <a:cs typeface="+mn-cs"/>
+              </a:rPr>
+              <a:t>脚本，服务端进行调用扫描</a:t>
             </a:r>
           </a:p>
         </p:txBody>
@@ -24875,14 +24938,21 @@
                 <a:latin typeface="微软雅黑" pitchFamily="34" charset="-122"/>
                 <a:ea typeface="微软雅黑" pitchFamily="34" charset="-122"/>
               </a:rPr>
-              <a:t>扫描文件夹：</a:t>
+              <a:t>扫描文件夹</a:t>
+            </a:r>
+            <a:r>
+              <a:rPr lang="zh-CN" altLang="en-US" sz="1400" b="1" dirty="0" smtClean="0">
+                <a:latin typeface="微软雅黑" pitchFamily="34" charset="-122"/>
+                <a:ea typeface="微软雅黑" pitchFamily="34" charset="-122"/>
+              </a:rPr>
+              <a:t>：</a:t>
             </a:r>
             <a:r>
               <a:rPr lang="zh-CN" altLang="en-US" sz="1400" dirty="0" smtClean="0">
-                <a:latin typeface="华文仿宋" pitchFamily="2" charset="-122"/>
-                <a:ea typeface="华文仿宋" pitchFamily="2" charset="-122"/>
-              </a:rPr>
-              <a:t>安全控制台，包含了资产、漏洞、合规性等概括</a:t>
+                <a:latin typeface="微软雅黑" pitchFamily="34" charset="-122"/>
+                <a:ea typeface="微软雅黑" pitchFamily="34" charset="-122"/>
+              </a:rPr>
+              <a:t>包含了所有扫描基本信息</a:t>
             </a:r>
             <a:endParaRPr lang="en-US" altLang="zh-CN" sz="1400" dirty="0" smtClean="0">
               <a:latin typeface="华文仿宋" pitchFamily="2" charset="-122"/>
@@ -25000,14 +25070,7 @@
                 <a:latin typeface="华文仿宋" pitchFamily="2" charset="-122"/>
                 <a:ea typeface="华文仿宋" pitchFamily="2" charset="-122"/>
               </a:rPr>
-              <a:t>对扫描插件进行编辑、更新和导</a:t>
-            </a:r>
-            <a:r>
-              <a:rPr lang="zh-CN" altLang="en-US" sz="1400" dirty="0" smtClean="0">
-                <a:latin typeface="华文仿宋" pitchFamily="2" charset="-122"/>
-                <a:ea typeface="华文仿宋" pitchFamily="2" charset="-122"/>
-              </a:rPr>
-              <a:t>入</a:t>
+              <a:t>对扫描插件进行编辑、更新和导入</a:t>
             </a:r>
             <a:endParaRPr lang="en-US" altLang="zh-CN" sz="1400" dirty="0" smtClean="0">
               <a:latin typeface="华文仿宋" pitchFamily="2" charset="-122"/>
@@ -26562,15 +26625,7 @@
                   <a:srgbClr val="FF0000"/>
                 </a:solidFill>
               </a:rPr>
-              <a:t>漏洞</a:t>
-            </a:r>
-            <a:r>
-              <a:rPr lang="zh-CN" altLang="en-US" sz="2400" b="1" dirty="0" smtClean="0">
-                <a:solidFill>
-                  <a:srgbClr val="FF0000"/>
-                </a:solidFill>
-              </a:rPr>
-              <a:t>扫描原理</a:t>
+              <a:t>漏洞扫描原理</a:t>
             </a:r>
             <a:endParaRPr lang="es-ES" altLang="zh-CN" sz="2400" b="1" dirty="0">
               <a:solidFill>
@@ -27350,21 +27405,7 @@
                 <a:ea typeface="微软雅黑" pitchFamily="34" charset="-122"/>
                 <a:cs typeface="+mj-cs"/>
               </a:rPr>
-              <a:t>漏洞</a:t>
-            </a:r>
-            <a:r>
-              <a:rPr lang="zh-CN" altLang="en-US" sz="3200" b="1" kern="0" dirty="0" smtClean="0">
-                <a:solidFill>
-                  <a:schemeClr val="tx1">
-                    <a:lumMod val="75000"/>
-                    <a:lumOff val="25000"/>
-                  </a:schemeClr>
-                </a:solidFill>
-                <a:latin typeface="微软雅黑" pitchFamily="34" charset="-122"/>
-                <a:ea typeface="微软雅黑" pitchFamily="34" charset="-122"/>
-                <a:cs typeface="+mj-cs"/>
-              </a:rPr>
-              <a:t>扫描原理</a:t>
+              <a:t>漏洞扫描原理</a:t>
             </a:r>
             <a:endParaRPr lang="zh-CN" altLang="en-US" sz="3200" b="1" kern="0" dirty="0" smtClean="0">
               <a:solidFill>
